--- a/ppt 16-9/0385.永恒的生命.pptx
+++ b/ppt 16-9/0385.永恒的生命.pptx
@@ -129,7 +129,7 @@
           <p:cNvPr id="2" name="标题 1">
             <a:extLst>
               <a:ext uri="{FF2B5EF4-FFF2-40B4-BE49-F238E27FC236}">
-                <a16:creationId xmlns:a16="http://schemas.microsoft.com/office/drawing/2014/main" id="{97533684-C17D-C3A0-1C0F-883763A873F4}"/>
+                <a16:creationId xmlns:a16="http://schemas.microsoft.com/office/drawing/2014/main" id="{BF18A105-3448-3148-3BD4-4E86B8146DA9}"/>
               </a:ext>
             </a:extLst>
           </p:cNvPr>
@@ -166,7 +166,7 @@
           <p:cNvPr id="3" name="副标题 2">
             <a:extLst>
               <a:ext uri="{FF2B5EF4-FFF2-40B4-BE49-F238E27FC236}">
-                <a16:creationId xmlns:a16="http://schemas.microsoft.com/office/drawing/2014/main" id="{92293F85-EABF-3DAE-B45D-BD9EF1573893}"/>
+                <a16:creationId xmlns:a16="http://schemas.microsoft.com/office/drawing/2014/main" id="{9B943AAB-B532-D64C-C41C-A8B599BA02B5}"/>
               </a:ext>
             </a:extLst>
           </p:cNvPr>
@@ -236,7 +236,7 @@
           <p:cNvPr id="4" name="日期占位符 3">
             <a:extLst>
               <a:ext uri="{FF2B5EF4-FFF2-40B4-BE49-F238E27FC236}">
-                <a16:creationId xmlns:a16="http://schemas.microsoft.com/office/drawing/2014/main" id="{6989D97C-4CF6-CCDB-9D6C-4D0C26E84E77}"/>
+                <a16:creationId xmlns:a16="http://schemas.microsoft.com/office/drawing/2014/main" id="{96D8537E-E049-F340-5870-E8CCAE71A526}"/>
               </a:ext>
             </a:extLst>
           </p:cNvPr>
@@ -252,7 +252,7 @@
           <a:bodyPr/>
           <a:lstStyle/>
           <a:p>
-            <a:fld id="{C0A7244B-FECC-4B49-867E-CD926E25DFC1}" type="datetimeFigureOut">
+            <a:fld id="{3D4FE343-CBE5-4B9F-847A-C0D281244733}" type="datetimeFigureOut">
               <a:rPr lang="zh-CN" altLang="en-US" smtClean="0"/>
               <a:t>2024/3/10</a:t>
             </a:fld>
@@ -265,7 +265,7 @@
           <p:cNvPr id="5" name="页脚占位符 4">
             <a:extLst>
               <a:ext uri="{FF2B5EF4-FFF2-40B4-BE49-F238E27FC236}">
-                <a16:creationId xmlns:a16="http://schemas.microsoft.com/office/drawing/2014/main" id="{3E144F52-4A15-7956-E086-28E2C18931C2}"/>
+                <a16:creationId xmlns:a16="http://schemas.microsoft.com/office/drawing/2014/main" id="{0302B778-8C0B-21E0-182D-46C0E50E406F}"/>
               </a:ext>
             </a:extLst>
           </p:cNvPr>
@@ -290,7 +290,7 @@
           <p:cNvPr id="6" name="灯片编号占位符 5">
             <a:extLst>
               <a:ext uri="{FF2B5EF4-FFF2-40B4-BE49-F238E27FC236}">
-                <a16:creationId xmlns:a16="http://schemas.microsoft.com/office/drawing/2014/main" id="{2800C216-0718-15D8-08A2-930713DDB73B}"/>
+                <a16:creationId xmlns:a16="http://schemas.microsoft.com/office/drawing/2014/main" id="{1D66A50E-EE13-D4BD-25C5-3D5E3FC27860}"/>
               </a:ext>
             </a:extLst>
           </p:cNvPr>
@@ -306,7 +306,7 @@
           <a:bodyPr/>
           <a:lstStyle/>
           <a:p>
-            <a:fld id="{B78C8E39-C05B-45B4-98FA-79F7D6C8FDE0}" type="slidenum">
+            <a:fld id="{7EBE4047-8B9F-4624-A8CE-C2B6E8C4E00B}" type="slidenum">
               <a:rPr lang="zh-CN" altLang="en-US" smtClean="0"/>
               <a:t>‹#›</a:t>
             </a:fld>
@@ -317,7 +317,7 @@
     </p:spTree>
     <p:extLst>
       <p:ext uri="{BB962C8B-B14F-4D97-AF65-F5344CB8AC3E}">
-        <p14:creationId xmlns:p14="http://schemas.microsoft.com/office/powerpoint/2010/main" val="3433371021"/>
+        <p14:creationId xmlns:p14="http://schemas.microsoft.com/office/powerpoint/2010/main" val="3405781312"/>
       </p:ext>
     </p:extLst>
   </p:cSld>
@@ -349,7 +349,7 @@
           <p:cNvPr id="2" name="标题 1">
             <a:extLst>
               <a:ext uri="{FF2B5EF4-FFF2-40B4-BE49-F238E27FC236}">
-                <a16:creationId xmlns:a16="http://schemas.microsoft.com/office/drawing/2014/main" id="{59993890-8A89-9BAC-2F8B-BD8270A373E4}"/>
+                <a16:creationId xmlns:a16="http://schemas.microsoft.com/office/drawing/2014/main" id="{4770ADD9-BA33-6591-383A-3C7AC1848FA3}"/>
               </a:ext>
             </a:extLst>
           </p:cNvPr>
@@ -377,7 +377,7 @@
           <p:cNvPr id="3" name="竖排文字占位符 2">
             <a:extLst>
               <a:ext uri="{FF2B5EF4-FFF2-40B4-BE49-F238E27FC236}">
-                <a16:creationId xmlns:a16="http://schemas.microsoft.com/office/drawing/2014/main" id="{A83CB1B2-0310-F6F2-0671-066B9E472B6D}"/>
+                <a16:creationId xmlns:a16="http://schemas.microsoft.com/office/drawing/2014/main" id="{30C934AD-FB34-D55D-9386-744A8F591361}"/>
               </a:ext>
             </a:extLst>
           </p:cNvPr>
@@ -434,7 +434,7 @@
           <p:cNvPr id="4" name="日期占位符 3">
             <a:extLst>
               <a:ext uri="{FF2B5EF4-FFF2-40B4-BE49-F238E27FC236}">
-                <a16:creationId xmlns:a16="http://schemas.microsoft.com/office/drawing/2014/main" id="{0348EC10-28F2-D1F3-EB47-EEE67655B700}"/>
+                <a16:creationId xmlns:a16="http://schemas.microsoft.com/office/drawing/2014/main" id="{B0BA7358-13FD-9425-4440-F8FC32EC9109}"/>
               </a:ext>
             </a:extLst>
           </p:cNvPr>
@@ -450,7 +450,7 @@
           <a:bodyPr/>
           <a:lstStyle/>
           <a:p>
-            <a:fld id="{C0A7244B-FECC-4B49-867E-CD926E25DFC1}" type="datetimeFigureOut">
+            <a:fld id="{3D4FE343-CBE5-4B9F-847A-C0D281244733}" type="datetimeFigureOut">
               <a:rPr lang="zh-CN" altLang="en-US" smtClean="0"/>
               <a:t>2024/3/10</a:t>
             </a:fld>
@@ -463,7 +463,7 @@
           <p:cNvPr id="5" name="页脚占位符 4">
             <a:extLst>
               <a:ext uri="{FF2B5EF4-FFF2-40B4-BE49-F238E27FC236}">
-                <a16:creationId xmlns:a16="http://schemas.microsoft.com/office/drawing/2014/main" id="{072AE8A9-E5DE-BE4D-D33F-CC7C8FFAFC67}"/>
+                <a16:creationId xmlns:a16="http://schemas.microsoft.com/office/drawing/2014/main" id="{41BE2B9B-3441-7ADC-F01D-A334209E6D46}"/>
               </a:ext>
             </a:extLst>
           </p:cNvPr>
@@ -488,7 +488,7 @@
           <p:cNvPr id="6" name="灯片编号占位符 5">
             <a:extLst>
               <a:ext uri="{FF2B5EF4-FFF2-40B4-BE49-F238E27FC236}">
-                <a16:creationId xmlns:a16="http://schemas.microsoft.com/office/drawing/2014/main" id="{0CD154CF-EE5A-EB34-335D-1C5A85B1DBF3}"/>
+                <a16:creationId xmlns:a16="http://schemas.microsoft.com/office/drawing/2014/main" id="{86348E11-72A2-E3E4-8D81-7924F2E5D839}"/>
               </a:ext>
             </a:extLst>
           </p:cNvPr>
@@ -504,7 +504,7 @@
           <a:bodyPr/>
           <a:lstStyle/>
           <a:p>
-            <a:fld id="{B78C8E39-C05B-45B4-98FA-79F7D6C8FDE0}" type="slidenum">
+            <a:fld id="{7EBE4047-8B9F-4624-A8CE-C2B6E8C4E00B}" type="slidenum">
               <a:rPr lang="zh-CN" altLang="en-US" smtClean="0"/>
               <a:t>‹#›</a:t>
             </a:fld>
@@ -515,7 +515,7 @@
     </p:spTree>
     <p:extLst>
       <p:ext uri="{BB962C8B-B14F-4D97-AF65-F5344CB8AC3E}">
-        <p14:creationId xmlns:p14="http://schemas.microsoft.com/office/powerpoint/2010/main" val="49360453"/>
+        <p14:creationId xmlns:p14="http://schemas.microsoft.com/office/powerpoint/2010/main" val="2176366868"/>
       </p:ext>
     </p:extLst>
   </p:cSld>
@@ -547,7 +547,7 @@
           <p:cNvPr id="2" name="竖排标题 1">
             <a:extLst>
               <a:ext uri="{FF2B5EF4-FFF2-40B4-BE49-F238E27FC236}">
-                <a16:creationId xmlns:a16="http://schemas.microsoft.com/office/drawing/2014/main" id="{BBE60265-92E0-E0E9-B329-99F1796DC619}"/>
+                <a16:creationId xmlns:a16="http://schemas.microsoft.com/office/drawing/2014/main" id="{79670E15-3B82-31A0-D6B5-4C058B3E922A}"/>
               </a:ext>
             </a:extLst>
           </p:cNvPr>
@@ -580,7 +580,7 @@
           <p:cNvPr id="3" name="竖排文字占位符 2">
             <a:extLst>
               <a:ext uri="{FF2B5EF4-FFF2-40B4-BE49-F238E27FC236}">
-                <a16:creationId xmlns:a16="http://schemas.microsoft.com/office/drawing/2014/main" id="{60DA3E6F-FD6C-4687-F60A-5F9A5080CDD4}"/>
+                <a16:creationId xmlns:a16="http://schemas.microsoft.com/office/drawing/2014/main" id="{9C49033E-47EE-A489-A165-5E76DE248E59}"/>
               </a:ext>
             </a:extLst>
           </p:cNvPr>
@@ -642,7 +642,7 @@
           <p:cNvPr id="4" name="日期占位符 3">
             <a:extLst>
               <a:ext uri="{FF2B5EF4-FFF2-40B4-BE49-F238E27FC236}">
-                <a16:creationId xmlns:a16="http://schemas.microsoft.com/office/drawing/2014/main" id="{EEA6944D-610D-1114-DE72-329D4A77B0CE}"/>
+                <a16:creationId xmlns:a16="http://schemas.microsoft.com/office/drawing/2014/main" id="{EB78DB8B-CB91-B7B9-A7C1-E06F47623B94}"/>
               </a:ext>
             </a:extLst>
           </p:cNvPr>
@@ -658,7 +658,7 @@
           <a:bodyPr/>
           <a:lstStyle/>
           <a:p>
-            <a:fld id="{C0A7244B-FECC-4B49-867E-CD926E25DFC1}" type="datetimeFigureOut">
+            <a:fld id="{3D4FE343-CBE5-4B9F-847A-C0D281244733}" type="datetimeFigureOut">
               <a:rPr lang="zh-CN" altLang="en-US" smtClean="0"/>
               <a:t>2024/3/10</a:t>
             </a:fld>
@@ -671,7 +671,7 @@
           <p:cNvPr id="5" name="页脚占位符 4">
             <a:extLst>
               <a:ext uri="{FF2B5EF4-FFF2-40B4-BE49-F238E27FC236}">
-                <a16:creationId xmlns:a16="http://schemas.microsoft.com/office/drawing/2014/main" id="{FB8567E3-0CEE-0B85-EA40-2036EEB2667D}"/>
+                <a16:creationId xmlns:a16="http://schemas.microsoft.com/office/drawing/2014/main" id="{F26DAACE-B152-3A2C-BAF4-7345409ED716}"/>
               </a:ext>
             </a:extLst>
           </p:cNvPr>
@@ -696,7 +696,7 @@
           <p:cNvPr id="6" name="灯片编号占位符 5">
             <a:extLst>
               <a:ext uri="{FF2B5EF4-FFF2-40B4-BE49-F238E27FC236}">
-                <a16:creationId xmlns:a16="http://schemas.microsoft.com/office/drawing/2014/main" id="{7CBCD831-C95D-AEB6-37FE-CDEAC2113FB7}"/>
+                <a16:creationId xmlns:a16="http://schemas.microsoft.com/office/drawing/2014/main" id="{D6A0A856-518F-DDC7-EA0B-41B9A780A9E6}"/>
               </a:ext>
             </a:extLst>
           </p:cNvPr>
@@ -712,7 +712,7 @@
           <a:bodyPr/>
           <a:lstStyle/>
           <a:p>
-            <a:fld id="{B78C8E39-C05B-45B4-98FA-79F7D6C8FDE0}" type="slidenum">
+            <a:fld id="{7EBE4047-8B9F-4624-A8CE-C2B6E8C4E00B}" type="slidenum">
               <a:rPr lang="zh-CN" altLang="en-US" smtClean="0"/>
               <a:t>‹#›</a:t>
             </a:fld>
@@ -723,7 +723,7 @@
     </p:spTree>
     <p:extLst>
       <p:ext uri="{BB962C8B-B14F-4D97-AF65-F5344CB8AC3E}">
-        <p14:creationId xmlns:p14="http://schemas.microsoft.com/office/powerpoint/2010/main" val="881776079"/>
+        <p14:creationId xmlns:p14="http://schemas.microsoft.com/office/powerpoint/2010/main" val="1580883873"/>
       </p:ext>
     </p:extLst>
   </p:cSld>
@@ -755,7 +755,7 @@
           <p:cNvPr id="2" name="标题 1">
             <a:extLst>
               <a:ext uri="{FF2B5EF4-FFF2-40B4-BE49-F238E27FC236}">
-                <a16:creationId xmlns:a16="http://schemas.microsoft.com/office/drawing/2014/main" id="{967BD2B9-3CC7-1CEC-C056-02F9AE79066C}"/>
+                <a16:creationId xmlns:a16="http://schemas.microsoft.com/office/drawing/2014/main" id="{DCAC722D-C190-8773-A53D-6983331CF296}"/>
               </a:ext>
             </a:extLst>
           </p:cNvPr>
@@ -783,7 +783,7 @@
           <p:cNvPr id="3" name="内容占位符 2">
             <a:extLst>
               <a:ext uri="{FF2B5EF4-FFF2-40B4-BE49-F238E27FC236}">
-                <a16:creationId xmlns:a16="http://schemas.microsoft.com/office/drawing/2014/main" id="{B3335E06-0C82-6B28-CAD6-218CC48BA463}"/>
+                <a16:creationId xmlns:a16="http://schemas.microsoft.com/office/drawing/2014/main" id="{5DE87E59-AE63-5F38-DF3E-AB67A2A5455C}"/>
               </a:ext>
             </a:extLst>
           </p:cNvPr>
@@ -840,7 +840,7 @@
           <p:cNvPr id="4" name="日期占位符 3">
             <a:extLst>
               <a:ext uri="{FF2B5EF4-FFF2-40B4-BE49-F238E27FC236}">
-                <a16:creationId xmlns:a16="http://schemas.microsoft.com/office/drawing/2014/main" id="{1B5F0871-7DEA-A3D5-26F8-801F4E0E2C34}"/>
+                <a16:creationId xmlns:a16="http://schemas.microsoft.com/office/drawing/2014/main" id="{3D948C44-F02C-5B74-3519-316A2EEC7488}"/>
               </a:ext>
             </a:extLst>
           </p:cNvPr>
@@ -856,7 +856,7 @@
           <a:bodyPr/>
           <a:lstStyle/>
           <a:p>
-            <a:fld id="{C0A7244B-FECC-4B49-867E-CD926E25DFC1}" type="datetimeFigureOut">
+            <a:fld id="{3D4FE343-CBE5-4B9F-847A-C0D281244733}" type="datetimeFigureOut">
               <a:rPr lang="zh-CN" altLang="en-US" smtClean="0"/>
               <a:t>2024/3/10</a:t>
             </a:fld>
@@ -869,7 +869,7 @@
           <p:cNvPr id="5" name="页脚占位符 4">
             <a:extLst>
               <a:ext uri="{FF2B5EF4-FFF2-40B4-BE49-F238E27FC236}">
-                <a16:creationId xmlns:a16="http://schemas.microsoft.com/office/drawing/2014/main" id="{548E111F-C4FA-54E8-A33B-F80280EC94C5}"/>
+                <a16:creationId xmlns:a16="http://schemas.microsoft.com/office/drawing/2014/main" id="{EC7D0183-F7F7-4312-B10B-C16614C311AE}"/>
               </a:ext>
             </a:extLst>
           </p:cNvPr>
@@ -894,7 +894,7 @@
           <p:cNvPr id="6" name="灯片编号占位符 5">
             <a:extLst>
               <a:ext uri="{FF2B5EF4-FFF2-40B4-BE49-F238E27FC236}">
-                <a16:creationId xmlns:a16="http://schemas.microsoft.com/office/drawing/2014/main" id="{967DF8BF-F3CE-8C9C-D5BB-5C3B9C06FE0A}"/>
+                <a16:creationId xmlns:a16="http://schemas.microsoft.com/office/drawing/2014/main" id="{DB3175C6-83AD-828E-58C8-D97394702B23}"/>
               </a:ext>
             </a:extLst>
           </p:cNvPr>
@@ -910,7 +910,7 @@
           <a:bodyPr/>
           <a:lstStyle/>
           <a:p>
-            <a:fld id="{B78C8E39-C05B-45B4-98FA-79F7D6C8FDE0}" type="slidenum">
+            <a:fld id="{7EBE4047-8B9F-4624-A8CE-C2B6E8C4E00B}" type="slidenum">
               <a:rPr lang="zh-CN" altLang="en-US" smtClean="0"/>
               <a:t>‹#›</a:t>
             </a:fld>
@@ -921,7 +921,7 @@
     </p:spTree>
     <p:extLst>
       <p:ext uri="{BB962C8B-B14F-4D97-AF65-F5344CB8AC3E}">
-        <p14:creationId xmlns:p14="http://schemas.microsoft.com/office/powerpoint/2010/main" val="1525592529"/>
+        <p14:creationId xmlns:p14="http://schemas.microsoft.com/office/powerpoint/2010/main" val="2808776628"/>
       </p:ext>
     </p:extLst>
   </p:cSld>
@@ -953,7 +953,7 @@
           <p:cNvPr id="2" name="标题 1">
             <a:extLst>
               <a:ext uri="{FF2B5EF4-FFF2-40B4-BE49-F238E27FC236}">
-                <a16:creationId xmlns:a16="http://schemas.microsoft.com/office/drawing/2014/main" id="{BD787387-6107-4A52-E7B6-8ACEDDF20AC0}"/>
+                <a16:creationId xmlns:a16="http://schemas.microsoft.com/office/drawing/2014/main" id="{4301D155-8CF0-69A3-0181-3191538F31E3}"/>
               </a:ext>
             </a:extLst>
           </p:cNvPr>
@@ -990,7 +990,7 @@
           <p:cNvPr id="3" name="文本占位符 2">
             <a:extLst>
               <a:ext uri="{FF2B5EF4-FFF2-40B4-BE49-F238E27FC236}">
-                <a16:creationId xmlns:a16="http://schemas.microsoft.com/office/drawing/2014/main" id="{DD48085B-4310-62AA-813D-DE877C4EDCCD}"/>
+                <a16:creationId xmlns:a16="http://schemas.microsoft.com/office/drawing/2014/main" id="{94B29863-CD72-03C2-A451-BCE25C2E33FB}"/>
               </a:ext>
             </a:extLst>
           </p:cNvPr>
@@ -1115,7 +1115,7 @@
           <p:cNvPr id="4" name="日期占位符 3">
             <a:extLst>
               <a:ext uri="{FF2B5EF4-FFF2-40B4-BE49-F238E27FC236}">
-                <a16:creationId xmlns:a16="http://schemas.microsoft.com/office/drawing/2014/main" id="{BD424307-CAEE-7CFE-AC66-80A6B142D616}"/>
+                <a16:creationId xmlns:a16="http://schemas.microsoft.com/office/drawing/2014/main" id="{2E388A43-ABCD-6EAA-3414-147BD315D8E7}"/>
               </a:ext>
             </a:extLst>
           </p:cNvPr>
@@ -1131,7 +1131,7 @@
           <a:bodyPr/>
           <a:lstStyle/>
           <a:p>
-            <a:fld id="{C0A7244B-FECC-4B49-867E-CD926E25DFC1}" type="datetimeFigureOut">
+            <a:fld id="{3D4FE343-CBE5-4B9F-847A-C0D281244733}" type="datetimeFigureOut">
               <a:rPr lang="zh-CN" altLang="en-US" smtClean="0"/>
               <a:t>2024/3/10</a:t>
             </a:fld>
@@ -1144,7 +1144,7 @@
           <p:cNvPr id="5" name="页脚占位符 4">
             <a:extLst>
               <a:ext uri="{FF2B5EF4-FFF2-40B4-BE49-F238E27FC236}">
-                <a16:creationId xmlns:a16="http://schemas.microsoft.com/office/drawing/2014/main" id="{13E1EA1D-1294-AA9E-5B4A-16A28062641E}"/>
+                <a16:creationId xmlns:a16="http://schemas.microsoft.com/office/drawing/2014/main" id="{8D8B36BB-AA13-26A3-BA6B-CA0569D85A44}"/>
               </a:ext>
             </a:extLst>
           </p:cNvPr>
@@ -1169,7 +1169,7 @@
           <p:cNvPr id="6" name="灯片编号占位符 5">
             <a:extLst>
               <a:ext uri="{FF2B5EF4-FFF2-40B4-BE49-F238E27FC236}">
-                <a16:creationId xmlns:a16="http://schemas.microsoft.com/office/drawing/2014/main" id="{F245A66C-E5A3-AB20-8C04-E299F24A3954}"/>
+                <a16:creationId xmlns:a16="http://schemas.microsoft.com/office/drawing/2014/main" id="{BE8620BC-07EF-29ED-6224-4EED789E774C}"/>
               </a:ext>
             </a:extLst>
           </p:cNvPr>
@@ -1185,7 +1185,7 @@
           <a:bodyPr/>
           <a:lstStyle/>
           <a:p>
-            <a:fld id="{B78C8E39-C05B-45B4-98FA-79F7D6C8FDE0}" type="slidenum">
+            <a:fld id="{7EBE4047-8B9F-4624-A8CE-C2B6E8C4E00B}" type="slidenum">
               <a:rPr lang="zh-CN" altLang="en-US" smtClean="0"/>
               <a:t>‹#›</a:t>
             </a:fld>
@@ -1196,7 +1196,7 @@
     </p:spTree>
     <p:extLst>
       <p:ext uri="{BB962C8B-B14F-4D97-AF65-F5344CB8AC3E}">
-        <p14:creationId xmlns:p14="http://schemas.microsoft.com/office/powerpoint/2010/main" val="687453942"/>
+        <p14:creationId xmlns:p14="http://schemas.microsoft.com/office/powerpoint/2010/main" val="3509263924"/>
       </p:ext>
     </p:extLst>
   </p:cSld>
@@ -1228,7 +1228,7 @@
           <p:cNvPr id="2" name="标题 1">
             <a:extLst>
               <a:ext uri="{FF2B5EF4-FFF2-40B4-BE49-F238E27FC236}">
-                <a16:creationId xmlns:a16="http://schemas.microsoft.com/office/drawing/2014/main" id="{83A8CB7A-F154-51DB-876F-2D9AB34851BB}"/>
+                <a16:creationId xmlns:a16="http://schemas.microsoft.com/office/drawing/2014/main" id="{35A0EA5C-A379-6429-ECE5-FC2B0F306380}"/>
               </a:ext>
             </a:extLst>
           </p:cNvPr>
@@ -1256,7 +1256,7 @@
           <p:cNvPr id="3" name="内容占位符 2">
             <a:extLst>
               <a:ext uri="{FF2B5EF4-FFF2-40B4-BE49-F238E27FC236}">
-                <a16:creationId xmlns:a16="http://schemas.microsoft.com/office/drawing/2014/main" id="{52C31BAE-22A1-48D7-3B29-F39A2B8CDFD6}"/>
+                <a16:creationId xmlns:a16="http://schemas.microsoft.com/office/drawing/2014/main" id="{D7D78747-B641-A035-7E0E-B5EB2444DB09}"/>
               </a:ext>
             </a:extLst>
           </p:cNvPr>
@@ -1318,7 +1318,7 @@
           <p:cNvPr id="4" name="内容占位符 3">
             <a:extLst>
               <a:ext uri="{FF2B5EF4-FFF2-40B4-BE49-F238E27FC236}">
-                <a16:creationId xmlns:a16="http://schemas.microsoft.com/office/drawing/2014/main" id="{B2B0128A-4DA1-A849-9539-1A563139AEE2}"/>
+                <a16:creationId xmlns:a16="http://schemas.microsoft.com/office/drawing/2014/main" id="{5178D44E-6CF6-6CD8-1150-6387DCBE294F}"/>
               </a:ext>
             </a:extLst>
           </p:cNvPr>
@@ -1380,7 +1380,7 @@
           <p:cNvPr id="5" name="日期占位符 4">
             <a:extLst>
               <a:ext uri="{FF2B5EF4-FFF2-40B4-BE49-F238E27FC236}">
-                <a16:creationId xmlns:a16="http://schemas.microsoft.com/office/drawing/2014/main" id="{45C17AA3-D097-5BD0-14B0-29AF04B21917}"/>
+                <a16:creationId xmlns:a16="http://schemas.microsoft.com/office/drawing/2014/main" id="{EA267613-0528-F088-2905-A278F3DD3B22}"/>
               </a:ext>
             </a:extLst>
           </p:cNvPr>
@@ -1396,7 +1396,7 @@
           <a:bodyPr/>
           <a:lstStyle/>
           <a:p>
-            <a:fld id="{C0A7244B-FECC-4B49-867E-CD926E25DFC1}" type="datetimeFigureOut">
+            <a:fld id="{3D4FE343-CBE5-4B9F-847A-C0D281244733}" type="datetimeFigureOut">
               <a:rPr lang="zh-CN" altLang="en-US" smtClean="0"/>
               <a:t>2024/3/10</a:t>
             </a:fld>
@@ -1409,7 +1409,7 @@
           <p:cNvPr id="6" name="页脚占位符 5">
             <a:extLst>
               <a:ext uri="{FF2B5EF4-FFF2-40B4-BE49-F238E27FC236}">
-                <a16:creationId xmlns:a16="http://schemas.microsoft.com/office/drawing/2014/main" id="{4E6759AF-78B2-B098-979E-C0964C58C53F}"/>
+                <a16:creationId xmlns:a16="http://schemas.microsoft.com/office/drawing/2014/main" id="{BAEE4603-D452-5985-06D3-EAD9E831397A}"/>
               </a:ext>
             </a:extLst>
           </p:cNvPr>
@@ -1434,7 +1434,7 @@
           <p:cNvPr id="7" name="灯片编号占位符 6">
             <a:extLst>
               <a:ext uri="{FF2B5EF4-FFF2-40B4-BE49-F238E27FC236}">
-                <a16:creationId xmlns:a16="http://schemas.microsoft.com/office/drawing/2014/main" id="{751A8E6B-FC6F-169E-9E79-DCB16243E7FE}"/>
+                <a16:creationId xmlns:a16="http://schemas.microsoft.com/office/drawing/2014/main" id="{228A6BE0-2DC9-E0FD-323C-14C3D35C1ABF}"/>
               </a:ext>
             </a:extLst>
           </p:cNvPr>
@@ -1450,7 +1450,7 @@
           <a:bodyPr/>
           <a:lstStyle/>
           <a:p>
-            <a:fld id="{B78C8E39-C05B-45B4-98FA-79F7D6C8FDE0}" type="slidenum">
+            <a:fld id="{7EBE4047-8B9F-4624-A8CE-C2B6E8C4E00B}" type="slidenum">
               <a:rPr lang="zh-CN" altLang="en-US" smtClean="0"/>
               <a:t>‹#›</a:t>
             </a:fld>
@@ -1461,7 +1461,7 @@
     </p:spTree>
     <p:extLst>
       <p:ext uri="{BB962C8B-B14F-4D97-AF65-F5344CB8AC3E}">
-        <p14:creationId xmlns:p14="http://schemas.microsoft.com/office/powerpoint/2010/main" val="1187732352"/>
+        <p14:creationId xmlns:p14="http://schemas.microsoft.com/office/powerpoint/2010/main" val="2845297823"/>
       </p:ext>
     </p:extLst>
   </p:cSld>
@@ -1493,7 +1493,7 @@
           <p:cNvPr id="2" name="标题 1">
             <a:extLst>
               <a:ext uri="{FF2B5EF4-FFF2-40B4-BE49-F238E27FC236}">
-                <a16:creationId xmlns:a16="http://schemas.microsoft.com/office/drawing/2014/main" id="{4C1EE51D-57A9-4E4A-CF99-FA9C939996BA}"/>
+                <a16:creationId xmlns:a16="http://schemas.microsoft.com/office/drawing/2014/main" id="{C538B5E9-C81C-8ABA-A780-D12E96851CBB}"/>
               </a:ext>
             </a:extLst>
           </p:cNvPr>
@@ -1526,7 +1526,7 @@
           <p:cNvPr id="3" name="文本占位符 2">
             <a:extLst>
               <a:ext uri="{FF2B5EF4-FFF2-40B4-BE49-F238E27FC236}">
-                <a16:creationId xmlns:a16="http://schemas.microsoft.com/office/drawing/2014/main" id="{FFC41084-DB95-3B2F-B80A-283E70E2967C}"/>
+                <a16:creationId xmlns:a16="http://schemas.microsoft.com/office/drawing/2014/main" id="{F656B481-D03F-D3B1-8D1D-84BF952B81F6}"/>
               </a:ext>
             </a:extLst>
           </p:cNvPr>
@@ -1597,7 +1597,7 @@
           <p:cNvPr id="4" name="内容占位符 3">
             <a:extLst>
               <a:ext uri="{FF2B5EF4-FFF2-40B4-BE49-F238E27FC236}">
-                <a16:creationId xmlns:a16="http://schemas.microsoft.com/office/drawing/2014/main" id="{8B11D880-2560-3C98-5DEF-F9387662BA7C}"/>
+                <a16:creationId xmlns:a16="http://schemas.microsoft.com/office/drawing/2014/main" id="{FB9229F8-97D4-B532-6927-47A6AB64BAC1}"/>
               </a:ext>
             </a:extLst>
           </p:cNvPr>
@@ -1659,7 +1659,7 @@
           <p:cNvPr id="5" name="文本占位符 4">
             <a:extLst>
               <a:ext uri="{FF2B5EF4-FFF2-40B4-BE49-F238E27FC236}">
-                <a16:creationId xmlns:a16="http://schemas.microsoft.com/office/drawing/2014/main" id="{839A0A2C-B2B7-A33C-90C8-C6F7CF64589B}"/>
+                <a16:creationId xmlns:a16="http://schemas.microsoft.com/office/drawing/2014/main" id="{F37B3001-BD12-67AF-36D2-0113482AD3A0}"/>
               </a:ext>
             </a:extLst>
           </p:cNvPr>
@@ -1730,7 +1730,7 @@
           <p:cNvPr id="6" name="内容占位符 5">
             <a:extLst>
               <a:ext uri="{FF2B5EF4-FFF2-40B4-BE49-F238E27FC236}">
-                <a16:creationId xmlns:a16="http://schemas.microsoft.com/office/drawing/2014/main" id="{1D39BFD5-9031-2860-74A3-ED2278D527B3}"/>
+                <a16:creationId xmlns:a16="http://schemas.microsoft.com/office/drawing/2014/main" id="{0A3977AD-2C1B-5030-D570-54F7DA1848EA}"/>
               </a:ext>
             </a:extLst>
           </p:cNvPr>
@@ -1792,7 +1792,7 @@
           <p:cNvPr id="7" name="日期占位符 6">
             <a:extLst>
               <a:ext uri="{FF2B5EF4-FFF2-40B4-BE49-F238E27FC236}">
-                <a16:creationId xmlns:a16="http://schemas.microsoft.com/office/drawing/2014/main" id="{E45F22A1-789A-23AC-D140-CBCF96C75E83}"/>
+                <a16:creationId xmlns:a16="http://schemas.microsoft.com/office/drawing/2014/main" id="{7C201ADE-97A5-7669-F24C-F1544BB808F8}"/>
               </a:ext>
             </a:extLst>
           </p:cNvPr>
@@ -1808,7 +1808,7 @@
           <a:bodyPr/>
           <a:lstStyle/>
           <a:p>
-            <a:fld id="{C0A7244B-FECC-4B49-867E-CD926E25DFC1}" type="datetimeFigureOut">
+            <a:fld id="{3D4FE343-CBE5-4B9F-847A-C0D281244733}" type="datetimeFigureOut">
               <a:rPr lang="zh-CN" altLang="en-US" smtClean="0"/>
               <a:t>2024/3/10</a:t>
             </a:fld>
@@ -1821,7 +1821,7 @@
           <p:cNvPr id="8" name="页脚占位符 7">
             <a:extLst>
               <a:ext uri="{FF2B5EF4-FFF2-40B4-BE49-F238E27FC236}">
-                <a16:creationId xmlns:a16="http://schemas.microsoft.com/office/drawing/2014/main" id="{63CEDBDF-DCAA-EF9C-F4FE-2EF8FF3DFDA7}"/>
+                <a16:creationId xmlns:a16="http://schemas.microsoft.com/office/drawing/2014/main" id="{5E27E50E-D48A-8468-065F-B4F700DD5E56}"/>
               </a:ext>
             </a:extLst>
           </p:cNvPr>
@@ -1846,7 +1846,7 @@
           <p:cNvPr id="9" name="灯片编号占位符 8">
             <a:extLst>
               <a:ext uri="{FF2B5EF4-FFF2-40B4-BE49-F238E27FC236}">
-                <a16:creationId xmlns:a16="http://schemas.microsoft.com/office/drawing/2014/main" id="{540C69B0-6120-B601-1930-519511C1975C}"/>
+                <a16:creationId xmlns:a16="http://schemas.microsoft.com/office/drawing/2014/main" id="{EB3A2FD8-A883-7565-94A9-56B270F76527}"/>
               </a:ext>
             </a:extLst>
           </p:cNvPr>
@@ -1862,7 +1862,7 @@
           <a:bodyPr/>
           <a:lstStyle/>
           <a:p>
-            <a:fld id="{B78C8E39-C05B-45B4-98FA-79F7D6C8FDE0}" type="slidenum">
+            <a:fld id="{7EBE4047-8B9F-4624-A8CE-C2B6E8C4E00B}" type="slidenum">
               <a:rPr lang="zh-CN" altLang="en-US" smtClean="0"/>
               <a:t>‹#›</a:t>
             </a:fld>
@@ -1873,7 +1873,7 @@
     </p:spTree>
     <p:extLst>
       <p:ext uri="{BB962C8B-B14F-4D97-AF65-F5344CB8AC3E}">
-        <p14:creationId xmlns:p14="http://schemas.microsoft.com/office/powerpoint/2010/main" val="1435065688"/>
+        <p14:creationId xmlns:p14="http://schemas.microsoft.com/office/powerpoint/2010/main" val="830891554"/>
       </p:ext>
     </p:extLst>
   </p:cSld>
@@ -1905,7 +1905,7 @@
           <p:cNvPr id="2" name="标题 1">
             <a:extLst>
               <a:ext uri="{FF2B5EF4-FFF2-40B4-BE49-F238E27FC236}">
-                <a16:creationId xmlns:a16="http://schemas.microsoft.com/office/drawing/2014/main" id="{0672EE16-0AA6-4B87-7CF2-48222E5DD1BD}"/>
+                <a16:creationId xmlns:a16="http://schemas.microsoft.com/office/drawing/2014/main" id="{6E72619D-1BEB-9588-3661-6E08F99DC349}"/>
               </a:ext>
             </a:extLst>
           </p:cNvPr>
@@ -1933,7 +1933,7 @@
           <p:cNvPr id="3" name="日期占位符 2">
             <a:extLst>
               <a:ext uri="{FF2B5EF4-FFF2-40B4-BE49-F238E27FC236}">
-                <a16:creationId xmlns:a16="http://schemas.microsoft.com/office/drawing/2014/main" id="{FC2766F1-1A31-882A-156B-FB0D818FB7E7}"/>
+                <a16:creationId xmlns:a16="http://schemas.microsoft.com/office/drawing/2014/main" id="{C179AFA6-8C05-3DA8-DDD5-6D5F3DD78F52}"/>
               </a:ext>
             </a:extLst>
           </p:cNvPr>
@@ -1949,7 +1949,7 @@
           <a:bodyPr/>
           <a:lstStyle/>
           <a:p>
-            <a:fld id="{C0A7244B-FECC-4B49-867E-CD926E25DFC1}" type="datetimeFigureOut">
+            <a:fld id="{3D4FE343-CBE5-4B9F-847A-C0D281244733}" type="datetimeFigureOut">
               <a:rPr lang="zh-CN" altLang="en-US" smtClean="0"/>
               <a:t>2024/3/10</a:t>
             </a:fld>
@@ -1962,7 +1962,7 @@
           <p:cNvPr id="4" name="页脚占位符 3">
             <a:extLst>
               <a:ext uri="{FF2B5EF4-FFF2-40B4-BE49-F238E27FC236}">
-                <a16:creationId xmlns:a16="http://schemas.microsoft.com/office/drawing/2014/main" id="{BB719909-128D-879E-813B-0A3F02DA318F}"/>
+                <a16:creationId xmlns:a16="http://schemas.microsoft.com/office/drawing/2014/main" id="{26BC2A02-0146-2930-AFDF-4089AD91B041}"/>
               </a:ext>
             </a:extLst>
           </p:cNvPr>
@@ -1987,7 +1987,7 @@
           <p:cNvPr id="5" name="灯片编号占位符 4">
             <a:extLst>
               <a:ext uri="{FF2B5EF4-FFF2-40B4-BE49-F238E27FC236}">
-                <a16:creationId xmlns:a16="http://schemas.microsoft.com/office/drawing/2014/main" id="{6A1E7D39-DE4E-80C0-571C-490C8E9CCED1}"/>
+                <a16:creationId xmlns:a16="http://schemas.microsoft.com/office/drawing/2014/main" id="{FA5F0A60-7744-2C22-AA86-8628498B173D}"/>
               </a:ext>
             </a:extLst>
           </p:cNvPr>
@@ -2003,7 +2003,7 @@
           <a:bodyPr/>
           <a:lstStyle/>
           <a:p>
-            <a:fld id="{B78C8E39-C05B-45B4-98FA-79F7D6C8FDE0}" type="slidenum">
+            <a:fld id="{7EBE4047-8B9F-4624-A8CE-C2B6E8C4E00B}" type="slidenum">
               <a:rPr lang="zh-CN" altLang="en-US" smtClean="0"/>
               <a:t>‹#›</a:t>
             </a:fld>
@@ -2014,7 +2014,7 @@
     </p:spTree>
     <p:extLst>
       <p:ext uri="{BB962C8B-B14F-4D97-AF65-F5344CB8AC3E}">
-        <p14:creationId xmlns:p14="http://schemas.microsoft.com/office/powerpoint/2010/main" val="3497989110"/>
+        <p14:creationId xmlns:p14="http://schemas.microsoft.com/office/powerpoint/2010/main" val="564243700"/>
       </p:ext>
     </p:extLst>
   </p:cSld>
@@ -2046,7 +2046,7 @@
           <p:cNvPr id="2" name="日期占位符 1">
             <a:extLst>
               <a:ext uri="{FF2B5EF4-FFF2-40B4-BE49-F238E27FC236}">
-                <a16:creationId xmlns:a16="http://schemas.microsoft.com/office/drawing/2014/main" id="{03E5E741-279D-45D9-6778-96FE27CB2576}"/>
+                <a16:creationId xmlns:a16="http://schemas.microsoft.com/office/drawing/2014/main" id="{917D4C52-F03F-39D8-6335-628EBF2918D1}"/>
               </a:ext>
             </a:extLst>
           </p:cNvPr>
@@ -2062,7 +2062,7 @@
           <a:bodyPr/>
           <a:lstStyle/>
           <a:p>
-            <a:fld id="{C0A7244B-FECC-4B49-867E-CD926E25DFC1}" type="datetimeFigureOut">
+            <a:fld id="{3D4FE343-CBE5-4B9F-847A-C0D281244733}" type="datetimeFigureOut">
               <a:rPr lang="zh-CN" altLang="en-US" smtClean="0"/>
               <a:t>2024/3/10</a:t>
             </a:fld>
@@ -2075,7 +2075,7 @@
           <p:cNvPr id="3" name="页脚占位符 2">
             <a:extLst>
               <a:ext uri="{FF2B5EF4-FFF2-40B4-BE49-F238E27FC236}">
-                <a16:creationId xmlns:a16="http://schemas.microsoft.com/office/drawing/2014/main" id="{03444C8E-2A7A-2378-E48A-3BCB2B951499}"/>
+                <a16:creationId xmlns:a16="http://schemas.microsoft.com/office/drawing/2014/main" id="{7EE26000-B87E-DCF3-BE93-A70D62DEE6DF}"/>
               </a:ext>
             </a:extLst>
           </p:cNvPr>
@@ -2100,7 +2100,7 @@
           <p:cNvPr id="4" name="灯片编号占位符 3">
             <a:extLst>
               <a:ext uri="{FF2B5EF4-FFF2-40B4-BE49-F238E27FC236}">
-                <a16:creationId xmlns:a16="http://schemas.microsoft.com/office/drawing/2014/main" id="{A634FAA1-683E-D0E1-C15E-F8238FAEA0B6}"/>
+                <a16:creationId xmlns:a16="http://schemas.microsoft.com/office/drawing/2014/main" id="{A37002DC-D67D-3B4F-E789-2694926BF95F}"/>
               </a:ext>
             </a:extLst>
           </p:cNvPr>
@@ -2116,7 +2116,7 @@
           <a:bodyPr/>
           <a:lstStyle/>
           <a:p>
-            <a:fld id="{B78C8E39-C05B-45B4-98FA-79F7D6C8FDE0}" type="slidenum">
+            <a:fld id="{7EBE4047-8B9F-4624-A8CE-C2B6E8C4E00B}" type="slidenum">
               <a:rPr lang="zh-CN" altLang="en-US" smtClean="0"/>
               <a:t>‹#›</a:t>
             </a:fld>
@@ -2127,7 +2127,7 @@
     </p:spTree>
     <p:extLst>
       <p:ext uri="{BB962C8B-B14F-4D97-AF65-F5344CB8AC3E}">
-        <p14:creationId xmlns:p14="http://schemas.microsoft.com/office/powerpoint/2010/main" val="3890527736"/>
+        <p14:creationId xmlns:p14="http://schemas.microsoft.com/office/powerpoint/2010/main" val="1156392799"/>
       </p:ext>
     </p:extLst>
   </p:cSld>
@@ -2159,7 +2159,7 @@
           <p:cNvPr id="2" name="标题 1">
             <a:extLst>
               <a:ext uri="{FF2B5EF4-FFF2-40B4-BE49-F238E27FC236}">
-                <a16:creationId xmlns:a16="http://schemas.microsoft.com/office/drawing/2014/main" id="{C601357B-5A5E-DBCA-8239-AAD090A2E7D5}"/>
+                <a16:creationId xmlns:a16="http://schemas.microsoft.com/office/drawing/2014/main" id="{6BAB89E7-FA67-42F1-B6D9-AC47E28534B5}"/>
               </a:ext>
             </a:extLst>
           </p:cNvPr>
@@ -2196,7 +2196,7 @@
           <p:cNvPr id="3" name="内容占位符 2">
             <a:extLst>
               <a:ext uri="{FF2B5EF4-FFF2-40B4-BE49-F238E27FC236}">
-                <a16:creationId xmlns:a16="http://schemas.microsoft.com/office/drawing/2014/main" id="{993166D2-52FA-F5AE-2521-AEE453559D33}"/>
+                <a16:creationId xmlns:a16="http://schemas.microsoft.com/office/drawing/2014/main" id="{71C0A472-3A1E-81DB-D379-76AD39CD6ED6}"/>
               </a:ext>
             </a:extLst>
           </p:cNvPr>
@@ -2286,7 +2286,7 @@
           <p:cNvPr id="4" name="文本占位符 3">
             <a:extLst>
               <a:ext uri="{FF2B5EF4-FFF2-40B4-BE49-F238E27FC236}">
-                <a16:creationId xmlns:a16="http://schemas.microsoft.com/office/drawing/2014/main" id="{74935554-F687-F023-F513-53396AEBD053}"/>
+                <a16:creationId xmlns:a16="http://schemas.microsoft.com/office/drawing/2014/main" id="{BC4B2F11-B9E4-FA9E-5F16-B8EA5B6BBC0F}"/>
               </a:ext>
             </a:extLst>
           </p:cNvPr>
@@ -2357,7 +2357,7 @@
           <p:cNvPr id="5" name="日期占位符 4">
             <a:extLst>
               <a:ext uri="{FF2B5EF4-FFF2-40B4-BE49-F238E27FC236}">
-                <a16:creationId xmlns:a16="http://schemas.microsoft.com/office/drawing/2014/main" id="{4BC5BBB7-E641-BAF3-4631-38EB9DBBA99B}"/>
+                <a16:creationId xmlns:a16="http://schemas.microsoft.com/office/drawing/2014/main" id="{7A2FE581-F312-AB09-2991-B83E8E113E6C}"/>
               </a:ext>
             </a:extLst>
           </p:cNvPr>
@@ -2373,7 +2373,7 @@
           <a:bodyPr/>
           <a:lstStyle/>
           <a:p>
-            <a:fld id="{C0A7244B-FECC-4B49-867E-CD926E25DFC1}" type="datetimeFigureOut">
+            <a:fld id="{3D4FE343-CBE5-4B9F-847A-C0D281244733}" type="datetimeFigureOut">
               <a:rPr lang="zh-CN" altLang="en-US" smtClean="0"/>
               <a:t>2024/3/10</a:t>
             </a:fld>
@@ -2386,7 +2386,7 @@
           <p:cNvPr id="6" name="页脚占位符 5">
             <a:extLst>
               <a:ext uri="{FF2B5EF4-FFF2-40B4-BE49-F238E27FC236}">
-                <a16:creationId xmlns:a16="http://schemas.microsoft.com/office/drawing/2014/main" id="{21C7F01E-0C90-E2D4-3C21-8B1BEFE50535}"/>
+                <a16:creationId xmlns:a16="http://schemas.microsoft.com/office/drawing/2014/main" id="{59E0BB7D-28AD-ADA9-67DD-D0722CA59D9D}"/>
               </a:ext>
             </a:extLst>
           </p:cNvPr>
@@ -2411,7 +2411,7 @@
           <p:cNvPr id="7" name="灯片编号占位符 6">
             <a:extLst>
               <a:ext uri="{FF2B5EF4-FFF2-40B4-BE49-F238E27FC236}">
-                <a16:creationId xmlns:a16="http://schemas.microsoft.com/office/drawing/2014/main" id="{BEE27DE9-7B9E-98A7-5340-B228CA64569E}"/>
+                <a16:creationId xmlns:a16="http://schemas.microsoft.com/office/drawing/2014/main" id="{7B77DD6D-AB67-052E-A304-601CC0D7BA74}"/>
               </a:ext>
             </a:extLst>
           </p:cNvPr>
@@ -2427,7 +2427,7 @@
           <a:bodyPr/>
           <a:lstStyle/>
           <a:p>
-            <a:fld id="{B78C8E39-C05B-45B4-98FA-79F7D6C8FDE0}" type="slidenum">
+            <a:fld id="{7EBE4047-8B9F-4624-A8CE-C2B6E8C4E00B}" type="slidenum">
               <a:rPr lang="zh-CN" altLang="en-US" smtClean="0"/>
               <a:t>‹#›</a:t>
             </a:fld>
@@ -2438,7 +2438,7 @@
     </p:spTree>
     <p:extLst>
       <p:ext uri="{BB962C8B-B14F-4D97-AF65-F5344CB8AC3E}">
-        <p14:creationId xmlns:p14="http://schemas.microsoft.com/office/powerpoint/2010/main" val="1438619882"/>
+        <p14:creationId xmlns:p14="http://schemas.microsoft.com/office/powerpoint/2010/main" val="465460718"/>
       </p:ext>
     </p:extLst>
   </p:cSld>
@@ -2470,7 +2470,7 @@
           <p:cNvPr id="2" name="标题 1">
             <a:extLst>
               <a:ext uri="{FF2B5EF4-FFF2-40B4-BE49-F238E27FC236}">
-                <a16:creationId xmlns:a16="http://schemas.microsoft.com/office/drawing/2014/main" id="{46D62D1E-A5A3-BA6A-7A68-FFDD2A80FE1C}"/>
+                <a16:creationId xmlns:a16="http://schemas.microsoft.com/office/drawing/2014/main" id="{DFDEFF3C-570A-23FC-026C-39F0456A9102}"/>
               </a:ext>
             </a:extLst>
           </p:cNvPr>
@@ -2507,7 +2507,7 @@
           <p:cNvPr id="3" name="图片占位符 2">
             <a:extLst>
               <a:ext uri="{FF2B5EF4-FFF2-40B4-BE49-F238E27FC236}">
-                <a16:creationId xmlns:a16="http://schemas.microsoft.com/office/drawing/2014/main" id="{B2D77541-F4A5-6940-8822-C0ED69722BE7}"/>
+                <a16:creationId xmlns:a16="http://schemas.microsoft.com/office/drawing/2014/main" id="{6114B569-BF94-3680-8D90-5D7074569D7E}"/>
               </a:ext>
             </a:extLst>
           </p:cNvPr>
@@ -2574,7 +2574,7 @@
           <p:cNvPr id="4" name="文本占位符 3">
             <a:extLst>
               <a:ext uri="{FF2B5EF4-FFF2-40B4-BE49-F238E27FC236}">
-                <a16:creationId xmlns:a16="http://schemas.microsoft.com/office/drawing/2014/main" id="{D2FBB48E-092E-7443-3B5C-A5B10CA7453D}"/>
+                <a16:creationId xmlns:a16="http://schemas.microsoft.com/office/drawing/2014/main" id="{84626E77-759E-8217-001F-5BA8E8B243A4}"/>
               </a:ext>
             </a:extLst>
           </p:cNvPr>
@@ -2645,7 +2645,7 @@
           <p:cNvPr id="5" name="日期占位符 4">
             <a:extLst>
               <a:ext uri="{FF2B5EF4-FFF2-40B4-BE49-F238E27FC236}">
-                <a16:creationId xmlns:a16="http://schemas.microsoft.com/office/drawing/2014/main" id="{6C0889D7-1EFD-CECB-4009-48155EFAA93A}"/>
+                <a16:creationId xmlns:a16="http://schemas.microsoft.com/office/drawing/2014/main" id="{F81AAA1D-BB9E-4E51-F615-C74A60D2C71A}"/>
               </a:ext>
             </a:extLst>
           </p:cNvPr>
@@ -2661,7 +2661,7 @@
           <a:bodyPr/>
           <a:lstStyle/>
           <a:p>
-            <a:fld id="{C0A7244B-FECC-4B49-867E-CD926E25DFC1}" type="datetimeFigureOut">
+            <a:fld id="{3D4FE343-CBE5-4B9F-847A-C0D281244733}" type="datetimeFigureOut">
               <a:rPr lang="zh-CN" altLang="en-US" smtClean="0"/>
               <a:t>2024/3/10</a:t>
             </a:fld>
@@ -2674,7 +2674,7 @@
           <p:cNvPr id="6" name="页脚占位符 5">
             <a:extLst>
               <a:ext uri="{FF2B5EF4-FFF2-40B4-BE49-F238E27FC236}">
-                <a16:creationId xmlns:a16="http://schemas.microsoft.com/office/drawing/2014/main" id="{844305A5-1DAB-6337-2B5B-A760415AA124}"/>
+                <a16:creationId xmlns:a16="http://schemas.microsoft.com/office/drawing/2014/main" id="{D9BF9AAF-0C71-82BC-7823-0F165491FA47}"/>
               </a:ext>
             </a:extLst>
           </p:cNvPr>
@@ -2699,7 +2699,7 @@
           <p:cNvPr id="7" name="灯片编号占位符 6">
             <a:extLst>
               <a:ext uri="{FF2B5EF4-FFF2-40B4-BE49-F238E27FC236}">
-                <a16:creationId xmlns:a16="http://schemas.microsoft.com/office/drawing/2014/main" id="{B34A11B1-D341-27C5-29DC-B0EC10A483C6}"/>
+                <a16:creationId xmlns:a16="http://schemas.microsoft.com/office/drawing/2014/main" id="{47C53519-0AE6-2E9A-1A43-F707032BC8D7}"/>
               </a:ext>
             </a:extLst>
           </p:cNvPr>
@@ -2715,7 +2715,7 @@
           <a:bodyPr/>
           <a:lstStyle/>
           <a:p>
-            <a:fld id="{B78C8E39-C05B-45B4-98FA-79F7D6C8FDE0}" type="slidenum">
+            <a:fld id="{7EBE4047-8B9F-4624-A8CE-C2B6E8C4E00B}" type="slidenum">
               <a:rPr lang="zh-CN" altLang="en-US" smtClean="0"/>
               <a:t>‹#›</a:t>
             </a:fld>
@@ -2726,7 +2726,7 @@
     </p:spTree>
     <p:extLst>
       <p:ext uri="{BB962C8B-B14F-4D97-AF65-F5344CB8AC3E}">
-        <p14:creationId xmlns:p14="http://schemas.microsoft.com/office/powerpoint/2010/main" val="8343444"/>
+        <p14:creationId xmlns:p14="http://schemas.microsoft.com/office/powerpoint/2010/main" val="1547735535"/>
       </p:ext>
     </p:extLst>
   </p:cSld>
@@ -2763,7 +2763,7 @@
           <p:cNvPr id="2" name="标题占位符 1">
             <a:extLst>
               <a:ext uri="{FF2B5EF4-FFF2-40B4-BE49-F238E27FC236}">
-                <a16:creationId xmlns:a16="http://schemas.microsoft.com/office/drawing/2014/main" id="{9D06BFBD-B143-7310-8E91-B54B1FD41C4B}"/>
+                <a16:creationId xmlns:a16="http://schemas.microsoft.com/office/drawing/2014/main" id="{9BB7187C-277A-5808-D426-AA057DC19506}"/>
               </a:ext>
             </a:extLst>
           </p:cNvPr>
@@ -2801,7 +2801,7 @@
           <p:cNvPr id="3" name="文本占位符 2">
             <a:extLst>
               <a:ext uri="{FF2B5EF4-FFF2-40B4-BE49-F238E27FC236}">
-                <a16:creationId xmlns:a16="http://schemas.microsoft.com/office/drawing/2014/main" id="{5097A704-09DA-ACA1-CCC0-FF4D1A16E708}"/>
+                <a16:creationId xmlns:a16="http://schemas.microsoft.com/office/drawing/2014/main" id="{F8D76F05-6BA7-E490-4F23-F0B6569003BE}"/>
               </a:ext>
             </a:extLst>
           </p:cNvPr>
@@ -2868,7 +2868,7 @@
           <p:cNvPr id="4" name="日期占位符 3">
             <a:extLst>
               <a:ext uri="{FF2B5EF4-FFF2-40B4-BE49-F238E27FC236}">
-                <a16:creationId xmlns:a16="http://schemas.microsoft.com/office/drawing/2014/main" id="{3B3CE0DE-CCEB-DA68-D3A1-D43E7BDEFC1C}"/>
+                <a16:creationId xmlns:a16="http://schemas.microsoft.com/office/drawing/2014/main" id="{119002AC-51B9-89B3-9A57-CE0159FFE25F}"/>
               </a:ext>
             </a:extLst>
           </p:cNvPr>
@@ -2902,7 +2902,7 @@
             </a:lvl1pPr>
           </a:lstStyle>
           <a:p>
-            <a:fld id="{C0A7244B-FECC-4B49-867E-CD926E25DFC1}" type="datetimeFigureOut">
+            <a:fld id="{3D4FE343-CBE5-4B9F-847A-C0D281244733}" type="datetimeFigureOut">
               <a:rPr lang="zh-CN" altLang="en-US" smtClean="0"/>
               <a:t>2024/3/10</a:t>
             </a:fld>
@@ -2915,7 +2915,7 @@
           <p:cNvPr id="5" name="页脚占位符 4">
             <a:extLst>
               <a:ext uri="{FF2B5EF4-FFF2-40B4-BE49-F238E27FC236}">
-                <a16:creationId xmlns:a16="http://schemas.microsoft.com/office/drawing/2014/main" id="{86ACDB8B-9671-2363-131F-A783D596FAF8}"/>
+                <a16:creationId xmlns:a16="http://schemas.microsoft.com/office/drawing/2014/main" id="{771776AF-D386-D21B-F845-AE198AD56C3C}"/>
               </a:ext>
             </a:extLst>
           </p:cNvPr>
@@ -2958,7 +2958,7 @@
           <p:cNvPr id="6" name="灯片编号占位符 5">
             <a:extLst>
               <a:ext uri="{FF2B5EF4-FFF2-40B4-BE49-F238E27FC236}">
-                <a16:creationId xmlns:a16="http://schemas.microsoft.com/office/drawing/2014/main" id="{E81DAA34-FE00-29D2-157F-3B9AA621AB21}"/>
+                <a16:creationId xmlns:a16="http://schemas.microsoft.com/office/drawing/2014/main" id="{AAA5746E-868B-D867-2D90-EEE27FD38E11}"/>
               </a:ext>
             </a:extLst>
           </p:cNvPr>
@@ -2992,7 +2992,7 @@
             </a:lvl1pPr>
           </a:lstStyle>
           <a:p>
-            <a:fld id="{B78C8E39-C05B-45B4-98FA-79F7D6C8FDE0}" type="slidenum">
+            <a:fld id="{7EBE4047-8B9F-4624-A8CE-C2B6E8C4E00B}" type="slidenum">
               <a:rPr lang="zh-CN" altLang="en-US" smtClean="0"/>
               <a:t>‹#›</a:t>
             </a:fld>
@@ -3003,7 +3003,7 @@
     </p:spTree>
     <p:extLst>
       <p:ext uri="{BB962C8B-B14F-4D97-AF65-F5344CB8AC3E}">
-        <p14:creationId xmlns:p14="http://schemas.microsoft.com/office/powerpoint/2010/main" val="2871642549"/>
+        <p14:creationId xmlns:p14="http://schemas.microsoft.com/office/powerpoint/2010/main" val="363270406"/>
       </p:ext>
     </p:extLst>
   </p:cSld>
